--- a/isodata-logo.pptx
+++ b/isodata-logo.pptx
@@ -3023,6 +3023,9 @@
             <a:p>
               <a:r>
                 <a:rPr lang="en-US" sz="14535" b="1" dirty="0">
+                  <a:solidFill>
+                    <a:srgbClr val="535353"/>
+                  </a:solidFill>
                   <a:latin typeface="HELVETICA LIGHT" panose="020B0403020202020204" pitchFamily="34" charset="0"/>
                 </a:rPr>
                 <a:t>ISODATA</a:t>

--- a/isodata-logo.pptx
+++ b/isodata-logo.pptx
@@ -3049,9 +3049,8 @@
           </p:nvPicPr>
           <p:blipFill>
             <a:blip r:embed="rId2"/>
-            <a:stretch>
-              <a:fillRect/>
-            </a:stretch>
+            <a:srcRect t="1623" b="1623"/>
+            <a:stretch/>
           </p:blipFill>
           <p:spPr>
             <a:xfrm>

--- a/isodata-logo.pptx
+++ b/isodata-logo.pptx
@@ -6,6 +6,7 @@
   </p:sldMasterIdLst>
   <p:sldIdLst>
     <p:sldId id="256" r:id="rId2"/>
+    <p:sldId id="258" r:id="rId3"/>
   </p:sldIdLst>
   <p:sldSz cx="11201400" cy="2879725"/>
   <p:notesSz cx="6858000" cy="9144000"/>
@@ -243,7 +244,7 @@
           <a:p>
             <a:fld id="{65FE53C3-D2A4-5347-A397-6225EE19503F}" type="datetimeFigureOut">
               <a:rPr lang="en-US" smtClean="0"/>
-              <a:t>7/28/22</a:t>
+              <a:t>10/25/22</a:t>
             </a:fld>
             <a:endParaRPr lang="en-US"/>
           </a:p>
@@ -413,7 +414,7 @@
           <a:p>
             <a:fld id="{65FE53C3-D2A4-5347-A397-6225EE19503F}" type="datetimeFigureOut">
               <a:rPr lang="en-US" smtClean="0"/>
-              <a:t>7/28/22</a:t>
+              <a:t>10/25/22</a:t>
             </a:fld>
             <a:endParaRPr lang="en-US"/>
           </a:p>
@@ -593,7 +594,7 @@
           <a:p>
             <a:fld id="{65FE53C3-D2A4-5347-A397-6225EE19503F}" type="datetimeFigureOut">
               <a:rPr lang="en-US" smtClean="0"/>
-              <a:t>7/28/22</a:t>
+              <a:t>10/25/22</a:t>
             </a:fld>
             <a:endParaRPr lang="en-US"/>
           </a:p>
@@ -763,7 +764,7 @@
           <a:p>
             <a:fld id="{65FE53C3-D2A4-5347-A397-6225EE19503F}" type="datetimeFigureOut">
               <a:rPr lang="en-US" smtClean="0"/>
-              <a:t>7/28/22</a:t>
+              <a:t>10/25/22</a:t>
             </a:fld>
             <a:endParaRPr lang="en-US"/>
           </a:p>
@@ -1009,7 +1010,7 @@
           <a:p>
             <a:fld id="{65FE53C3-D2A4-5347-A397-6225EE19503F}" type="datetimeFigureOut">
               <a:rPr lang="en-US" smtClean="0"/>
-              <a:t>7/28/22</a:t>
+              <a:t>10/25/22</a:t>
             </a:fld>
             <a:endParaRPr lang="en-US"/>
           </a:p>
@@ -1241,7 +1242,7 @@
           <a:p>
             <a:fld id="{65FE53C3-D2A4-5347-A397-6225EE19503F}" type="datetimeFigureOut">
               <a:rPr lang="en-US" smtClean="0"/>
-              <a:t>7/28/22</a:t>
+              <a:t>10/25/22</a:t>
             </a:fld>
             <a:endParaRPr lang="en-US"/>
           </a:p>
@@ -1608,7 +1609,7 @@
           <a:p>
             <a:fld id="{65FE53C3-D2A4-5347-A397-6225EE19503F}" type="datetimeFigureOut">
               <a:rPr lang="en-US" smtClean="0"/>
-              <a:t>7/28/22</a:t>
+              <a:t>10/25/22</a:t>
             </a:fld>
             <a:endParaRPr lang="en-US"/>
           </a:p>
@@ -1726,7 +1727,7 @@
           <a:p>
             <a:fld id="{65FE53C3-D2A4-5347-A397-6225EE19503F}" type="datetimeFigureOut">
               <a:rPr lang="en-US" smtClean="0"/>
-              <a:t>7/28/22</a:t>
+              <a:t>10/25/22</a:t>
             </a:fld>
             <a:endParaRPr lang="en-US"/>
           </a:p>
@@ -1821,7 +1822,7 @@
           <a:p>
             <a:fld id="{65FE53C3-D2A4-5347-A397-6225EE19503F}" type="datetimeFigureOut">
               <a:rPr lang="en-US" smtClean="0"/>
-              <a:t>7/28/22</a:t>
+              <a:t>10/25/22</a:t>
             </a:fld>
             <a:endParaRPr lang="en-US"/>
           </a:p>
@@ -2098,7 +2099,7 @@
           <a:p>
             <a:fld id="{65FE53C3-D2A4-5347-A397-6225EE19503F}" type="datetimeFigureOut">
               <a:rPr lang="en-US" smtClean="0"/>
-              <a:t>7/28/22</a:t>
+              <a:t>10/25/22</a:t>
             </a:fld>
             <a:endParaRPr lang="en-US"/>
           </a:p>
@@ -2355,7 +2356,7 @@
           <a:p>
             <a:fld id="{65FE53C3-D2A4-5347-A397-6225EE19503F}" type="datetimeFigureOut">
               <a:rPr lang="en-US" smtClean="0"/>
-              <a:t>7/28/22</a:t>
+              <a:t>10/25/22</a:t>
             </a:fld>
             <a:endParaRPr lang="en-US"/>
           </a:p>
@@ -2568,7 +2569,7 @@
           <a:p>
             <a:fld id="{65FE53C3-D2A4-5347-A397-6225EE19503F}" type="datetimeFigureOut">
               <a:rPr lang="en-US" smtClean="0"/>
-              <a:t>7/28/22</a:t>
+              <a:t>10/25/22</a:t>
             </a:fld>
             <a:endParaRPr lang="en-US"/>
           </a:p>
@@ -3098,6 +3099,166 @@
 </p:sld>
 </file>
 
+<file path=ppt/slides/slide2.xml><?xml version="1.0" encoding="utf-8"?>
+<p:sld xmlns:a="http://schemas.openxmlformats.org/drawingml/2006/main" xmlns:r="http://schemas.openxmlformats.org/officeDocument/2006/relationships" xmlns:p="http://schemas.openxmlformats.org/presentationml/2006/main">
+  <p:cSld>
+    <p:spTree>
+      <p:nvGrpSpPr>
+        <p:cNvPr id="1" name=""/>
+        <p:cNvGrpSpPr/>
+        <p:nvPr/>
+      </p:nvGrpSpPr>
+      <p:grpSpPr>
+        <a:xfrm>
+          <a:off x="0" y="0"/>
+          <a:ext cx="0" cy="0"/>
+          <a:chOff x="0" y="0"/>
+          <a:chExt cx="0" cy="0"/>
+        </a:xfrm>
+      </p:grpSpPr>
+      <p:grpSp>
+        <p:nvGrpSpPr>
+          <p:cNvPr id="7" name="Group 6">
+            <a:extLst>
+              <a:ext uri="{FF2B5EF4-FFF2-40B4-BE49-F238E27FC236}">
+                <a16:creationId xmlns:a16="http://schemas.microsoft.com/office/drawing/2014/main" id="{5276FE5B-8FC7-9103-B6BD-2EFE6057701F}"/>
+              </a:ext>
+            </a:extLst>
+          </p:cNvPr>
+          <p:cNvGrpSpPr/>
+          <p:nvPr/>
+        </p:nvGrpSpPr>
+        <p:grpSpPr>
+          <a:xfrm>
+            <a:off x="173452" y="344049"/>
+            <a:ext cx="11668779" cy="2206016"/>
+            <a:chOff x="642329" y="356505"/>
+            <a:chExt cx="11650918" cy="2276550"/>
+          </a:xfrm>
+        </p:grpSpPr>
+        <p:sp>
+          <p:nvSpPr>
+            <p:cNvPr id="4" name="TextBox 3">
+              <a:extLst>
+                <a:ext uri="{FF2B5EF4-FFF2-40B4-BE49-F238E27FC236}">
+                  <a16:creationId xmlns:a16="http://schemas.microsoft.com/office/drawing/2014/main" id="{935FB032-4340-3C3B-F2C2-E02EC3F593A7}"/>
+                </a:ext>
+              </a:extLst>
+            </p:cNvPr>
+            <p:cNvSpPr txBox="1"/>
+            <p:nvPr/>
+          </p:nvSpPr>
+          <p:spPr>
+            <a:xfrm>
+              <a:off x="2995113" y="393853"/>
+              <a:ext cx="9298134" cy="2239202"/>
+            </a:xfrm>
+            <a:prstGeom prst="rect">
+              <a:avLst/>
+            </a:prstGeom>
+            <a:noFill/>
+          </p:spPr>
+          <p:txBody>
+            <a:bodyPr wrap="square" rtlCol="0">
+              <a:spAutoFit/>
+            </a:bodyPr>
+            <a:lstStyle/>
+            <a:p>
+              <a:r>
+                <a:rPr lang="en-US" sz="13500" b="1" dirty="0">
+                  <a:solidFill>
+                    <a:srgbClr val="535353"/>
+                  </a:solidFill>
+                  <a:latin typeface="Helvetica" pitchFamily="2" charset="0"/>
+                </a:rPr>
+                <a:t>Grid</a:t>
+              </a:r>
+              <a:r>
+                <a:rPr lang="en-US" sz="2500" b="1" dirty="0">
+                  <a:solidFill>
+                    <a:srgbClr val="535353"/>
+                  </a:solidFill>
+                  <a:latin typeface="Helvetica" pitchFamily="2" charset="0"/>
+                </a:rPr>
+                <a:t> </a:t>
+              </a:r>
+              <a:r>
+                <a:rPr lang="en-US" sz="13500" dirty="0">
+                  <a:solidFill>
+                    <a:srgbClr val="535353"/>
+                  </a:solidFill>
+                  <a:latin typeface="Helvetica Light" panose="020B0403020202020204" pitchFamily="34" charset="0"/>
+                </a:rPr>
+                <a:t>Status</a:t>
+              </a:r>
+            </a:p>
+          </p:txBody>
+        </p:sp>
+        <p:pic>
+          <p:nvPicPr>
+            <p:cNvPr id="6" name="Picture 5">
+              <a:extLst>
+                <a:ext uri="{FF2B5EF4-FFF2-40B4-BE49-F238E27FC236}">
+                  <a16:creationId xmlns:a16="http://schemas.microsoft.com/office/drawing/2014/main" id="{25C15D39-E8D2-A5C2-A6E9-020377F5AABB}"/>
+                </a:ext>
+              </a:extLst>
+            </p:cNvPr>
+            <p:cNvPicPr>
+              <a:picLocks noChangeAspect="1"/>
+            </p:cNvPicPr>
+            <p:nvPr/>
+          </p:nvPicPr>
+          <p:blipFill>
+            <a:blip r:embed="rId2"/>
+            <a:srcRect t="1623" b="1623"/>
+            <a:stretch/>
+          </p:blipFill>
+          <p:spPr>
+            <a:xfrm>
+              <a:off x="642329" y="356505"/>
+              <a:ext cx="2258784" cy="2258784"/>
+            </a:xfrm>
+            <a:prstGeom prst="ellipse">
+              <a:avLst/>
+            </a:prstGeom>
+            <a:ln w="76200" cap="rnd">
+              <a:solidFill>
+                <a:srgbClr val="C8C6BD"/>
+              </a:solidFill>
+              <a:prstDash val="solid"/>
+            </a:ln>
+            <a:effectLst>
+              <a:outerShdw blurRad="127000" algn="bl" rotWithShape="0">
+                <a:srgbClr val="000000"/>
+              </a:outerShdw>
+            </a:effectLst>
+            <a:scene3d>
+              <a:camera prst="perspectiveFront" fov="5400000"/>
+              <a:lightRig rig="threePt" dir="t">
+                <a:rot lat="0" lon="0" rev="19200000"/>
+              </a:lightRig>
+            </a:scene3d>
+            <a:sp3d extrusionH="25400">
+              <a:extrusionClr>
+                <a:srgbClr val="000000"/>
+              </a:extrusionClr>
+            </a:sp3d>
+          </p:spPr>
+        </p:pic>
+      </p:grpSp>
+    </p:spTree>
+    <p:extLst>
+      <p:ext uri="{BB962C8B-B14F-4D97-AF65-F5344CB8AC3E}">
+        <p14:creationId xmlns:p14="http://schemas.microsoft.com/office/powerpoint/2010/main" val="2559604922"/>
+      </p:ext>
+    </p:extLst>
+  </p:cSld>
+  <p:clrMapOvr>
+    <a:masterClrMapping/>
+  </p:clrMapOvr>
+</p:sld>
+</file>
+
 <file path=ppt/theme/theme1.xml><?xml version="1.0" encoding="utf-8"?>
 <a:theme xmlns:a="http://schemas.openxmlformats.org/drawingml/2006/main" name="Office Theme">
   <a:themeElements>
